--- a/Documentacion/ErronkaBus.pptx
+++ b/Documentacion/ErronkaBus.pptx
@@ -33991,7 +33991,7 @@
                 <a:hlinkClick r:id="rId2">
                   <a:extLst>
                     <a:ext uri="{A12FA001-AC4F-418D-AE19-62706E023703}">
-                      <ahyp:hlinkClr xmlns:ahyp="http://schemas.microsoft.com/office/drawing/2018/hyperlinkcolor" xmlns:p15="http://schemas.microsoft.com/office/powerpoint/2012/main" xmlns:p14="http://schemas.microsoft.com/office/powerpoint/2010/main" xmlns:com="http://schemas.openxmlformats.org/drawingml/2006/compatibility" xmlns:pvml="urn:schemas-microsoft-com:office:powerpoint" xmlns:v="urn:schemas-microsoft-com:vml" xmlns:o="urn:schemas-microsoft-com:office:office" xmlns:dgm="http://schemas.openxmlformats.org/drawingml/2006/diagram" xmlns:c="http://schemas.openxmlformats.org/drawingml/2006/chart" xmlns:mv="urn:schemas-microsoft-com:mac:vml" xmlns:mc="http://schemas.openxmlformats.org/markup-compatibility/2006" xmlns="" val="tx"/>
+                      <ahyp:hlinkClr xmlns="" xmlns:mc="http://schemas.openxmlformats.org/markup-compatibility/2006" xmlns:mv="urn:schemas-microsoft-com:mac:vml" xmlns:c="http://schemas.openxmlformats.org/drawingml/2006/chart" xmlns:dgm="http://schemas.openxmlformats.org/drawingml/2006/diagram" xmlns:o="urn:schemas-microsoft-com:office:office" xmlns:v="urn:schemas-microsoft-com:vml" xmlns:pvml="urn:schemas-microsoft-com:office:powerpoint" xmlns:com="http://schemas.openxmlformats.org/drawingml/2006/compatibility" xmlns:p14="http://schemas.microsoft.com/office/powerpoint/2010/main" xmlns:p15="http://schemas.microsoft.com/office/powerpoint/2012/main" xmlns:ahyp="http://schemas.microsoft.com/office/drawing/2018/hyperlinkcolor" val="tx"/>
                     </a:ext>
                   </a:extLst>
                 </a:hlinkClick>
@@ -34025,7 +34025,7 @@
                 <a:hlinkClick r:id="rId3">
                   <a:extLst>
                     <a:ext uri="{A12FA001-AC4F-418D-AE19-62706E023703}">
-                      <ahyp:hlinkClr xmlns:ahyp="http://schemas.microsoft.com/office/drawing/2018/hyperlinkcolor" xmlns:p15="http://schemas.microsoft.com/office/powerpoint/2012/main" xmlns:p14="http://schemas.microsoft.com/office/powerpoint/2010/main" xmlns:com="http://schemas.openxmlformats.org/drawingml/2006/compatibility" xmlns:pvml="urn:schemas-microsoft-com:office:powerpoint" xmlns:v="urn:schemas-microsoft-com:vml" xmlns:o="urn:schemas-microsoft-com:office:office" xmlns:dgm="http://schemas.openxmlformats.org/drawingml/2006/diagram" xmlns:c="http://schemas.openxmlformats.org/drawingml/2006/chart" xmlns:mv="urn:schemas-microsoft-com:mac:vml" xmlns:mc="http://schemas.openxmlformats.org/markup-compatibility/2006" xmlns="" val="tx"/>
+                      <ahyp:hlinkClr xmlns="" xmlns:mc="http://schemas.openxmlformats.org/markup-compatibility/2006" xmlns:mv="urn:schemas-microsoft-com:mac:vml" xmlns:c="http://schemas.openxmlformats.org/drawingml/2006/chart" xmlns:dgm="http://schemas.openxmlformats.org/drawingml/2006/diagram" xmlns:o="urn:schemas-microsoft-com:office:office" xmlns:v="urn:schemas-microsoft-com:vml" xmlns:pvml="urn:schemas-microsoft-com:office:powerpoint" xmlns:com="http://schemas.openxmlformats.org/drawingml/2006/compatibility" xmlns:p14="http://schemas.microsoft.com/office/powerpoint/2010/main" xmlns:p15="http://schemas.microsoft.com/office/powerpoint/2012/main" xmlns:ahyp="http://schemas.microsoft.com/office/drawing/2018/hyperlinkcolor" val="tx"/>
                     </a:ext>
                   </a:extLst>
                 </a:hlinkClick>
@@ -34059,7 +34059,7 @@
                 <a:hlinkClick r:id="rId4">
                   <a:extLst>
                     <a:ext uri="{A12FA001-AC4F-418D-AE19-62706E023703}">
-                      <ahyp:hlinkClr xmlns:ahyp="http://schemas.microsoft.com/office/drawing/2018/hyperlinkcolor" xmlns:p15="http://schemas.microsoft.com/office/powerpoint/2012/main" xmlns:p14="http://schemas.microsoft.com/office/powerpoint/2010/main" xmlns:com="http://schemas.openxmlformats.org/drawingml/2006/compatibility" xmlns:pvml="urn:schemas-microsoft-com:office:powerpoint" xmlns:v="urn:schemas-microsoft-com:vml" xmlns:o="urn:schemas-microsoft-com:office:office" xmlns:dgm="http://schemas.openxmlformats.org/drawingml/2006/diagram" xmlns:c="http://schemas.openxmlformats.org/drawingml/2006/chart" xmlns:mv="urn:schemas-microsoft-com:mac:vml" xmlns:mc="http://schemas.openxmlformats.org/markup-compatibility/2006" xmlns="" val="tx"/>
+                      <ahyp:hlinkClr xmlns="" xmlns:mc="http://schemas.openxmlformats.org/markup-compatibility/2006" xmlns:mv="urn:schemas-microsoft-com:mac:vml" xmlns:c="http://schemas.openxmlformats.org/drawingml/2006/chart" xmlns:dgm="http://schemas.openxmlformats.org/drawingml/2006/diagram" xmlns:o="urn:schemas-microsoft-com:office:office" xmlns:v="urn:schemas-microsoft-com:vml" xmlns:pvml="urn:schemas-microsoft-com:office:powerpoint" xmlns:com="http://schemas.openxmlformats.org/drawingml/2006/compatibility" xmlns:p14="http://schemas.microsoft.com/office/powerpoint/2010/main" xmlns:p15="http://schemas.microsoft.com/office/powerpoint/2012/main" xmlns:ahyp="http://schemas.microsoft.com/office/drawing/2018/hyperlinkcolor" val="tx"/>
                     </a:ext>
                   </a:extLst>
                 </a:hlinkClick>
@@ -45511,7 +45511,7 @@
         <p:spPr>
           <a:xfrm>
             <a:off x="0" y="0"/>
-            <a:ext cx="9144000" cy="5143500"/>
+            <a:ext cx="9144000" cy="3888059"/>
           </a:xfrm>
         </p:spPr>
         <p:txBody>
@@ -45527,6 +45527,36 @@
           </a:p>
         </p:txBody>
       </p:sp>
+      <p:pic>
+        <p:nvPicPr>
+          <p:cNvPr id="3" name="Imagen 1"/>
+          <p:cNvPicPr>
+            <a:picLocks noChangeAspect="1"/>
+          </p:cNvPicPr>
+          <p:nvPr/>
+        </p:nvPicPr>
+        <p:blipFill>
+          <a:blip r:embed="rId2">
+            <a:extLst>
+              <a:ext uri="{28A0092B-C50C-407E-A947-70E740481C1C}">
+                <a14:useLocalDpi xmlns:a14="http://schemas.microsoft.com/office/drawing/2010/main" val="0"/>
+              </a:ext>
+            </a:extLst>
+          </a:blip>
+          <a:stretch>
+            <a:fillRect/>
+          </a:stretch>
+        </p:blipFill>
+        <p:spPr>
+          <a:xfrm>
+            <a:off x="3766581" y="2571750"/>
+            <a:ext cx="1610838" cy="2176118"/>
+          </a:xfrm>
+          <a:prstGeom prst="rect">
+            <a:avLst/>
+          </a:prstGeom>
+        </p:spPr>
+      </p:pic>
     </p:spTree>
     <p:extLst>
       <p:ext uri="{BB962C8B-B14F-4D97-AF65-F5344CB8AC3E}">
@@ -47312,36 +47342,6 @@
           </a:p>
         </p:txBody>
       </p:sp>
-      <p:pic>
-        <p:nvPicPr>
-          <p:cNvPr id="2" name="Imagen 1"/>
-          <p:cNvPicPr>
-            <a:picLocks noChangeAspect="1"/>
-          </p:cNvPicPr>
-          <p:nvPr/>
-        </p:nvPicPr>
-        <p:blipFill>
-          <a:blip r:embed="rId3">
-            <a:extLst>
-              <a:ext uri="{28A0092B-C50C-407E-A947-70E740481C1C}">
-                <a14:useLocalDpi xmlns:a14="http://schemas.microsoft.com/office/drawing/2010/main" val="0"/>
-              </a:ext>
-            </a:extLst>
-          </a:blip>
-          <a:stretch>
-            <a:fillRect/>
-          </a:stretch>
-        </p:blipFill>
-        <p:spPr>
-          <a:xfrm>
-            <a:off x="3766581" y="2712150"/>
-            <a:ext cx="1610838" cy="2176118"/>
-          </a:xfrm>
-          <a:prstGeom prst="rect">
-            <a:avLst/>
-          </a:prstGeom>
-        </p:spPr>
-      </p:pic>
     </p:spTree>
   </p:cSld>
   <p:clrMapOvr>
